--- a/UNDER DEVELOPMENT/OPAR Version 2/JESTER/SYTGT024_AL_DUMAYR_VEHICLE_FACTORY.pptx
+++ b/UNDER DEVELOPMENT/OPAR Version 2/JESTER/SYTGT024_AL_DUMAYR_VEHICLE_FACTORY.pptx
@@ -109,7 +109,7 @@
   </p:defaultTextStyle>
   <p:extLst>
     <p:ext uri="{EFAFB233-063F-42B5-8137-9DF3F51BA10A}">
-      <p15:sldGuideLst xmlns:p15="http://schemas.microsoft.com/office/powerpoint/2012/main">
+      <p15:sldGuideLst xmlns:p15="http://schemas.microsoft.com/office/powerpoint/2012/main" xmlns="">
         <p15:guide id="1" orient="horz" pos="1620">
           <p15:clr>
             <a:srgbClr val="A4A3A4"/>
@@ -209,7 +209,7 @@
             <a:fld id="{40637A30-8EE1-4060-9976-8832FC89EE34}" type="datetimeFigureOut">
               <a:rPr lang="nb-NO" smtClean="0"/>
               <a:pPr/>
-              <a:t>02.01.2022</a:t>
+              <a:t>09.06.2022</a:t>
             </a:fld>
             <a:endParaRPr lang="nb-NO"/>
           </a:p>
@@ -4252,7 +4252,7 @@
           <p:cNvPr id="7" name="Picture 6" descr="Diagram, engineering drawing&#10;&#10;Description automatically generated">
             <a:extLst>
               <a:ext uri="{FF2B5EF4-FFF2-40B4-BE49-F238E27FC236}">
-                <a16:creationId xmlns:a16="http://schemas.microsoft.com/office/drawing/2014/main" id="{98159919-2436-41FB-A401-04A052759C4D}"/>
+                <a16:creationId xmlns:a16="http://schemas.microsoft.com/office/drawing/2014/main" xmlns="" id="{98159919-2436-41FB-A401-04A052759C4D}"/>
               </a:ext>
             </a:extLst>
           </p:cNvPr>
@@ -4265,7 +4265,7 @@
           <a:blip r:embed="rId3" cstate="print">
             <a:extLst>
               <a:ext uri="{28A0092B-C50C-407E-A947-70E740481C1C}">
-                <a14:useLocalDpi xmlns:a14="http://schemas.microsoft.com/office/drawing/2010/main" val="0"/>
+                <a14:useLocalDpi xmlns:a14="http://schemas.microsoft.com/office/drawing/2010/main" xmlns="" val="0"/>
               </a:ext>
             </a:extLst>
           </a:blip>
@@ -4285,7 +4285,7 @@
     </p:spTree>
     <p:extLst>
       <p:ext uri="{BB962C8B-B14F-4D97-AF65-F5344CB8AC3E}">
-        <p14:creationId xmlns:p14="http://schemas.microsoft.com/office/powerpoint/2010/main" val="49096620"/>
+        <p14:creationId xmlns:p14="http://schemas.microsoft.com/office/powerpoint/2010/main" xmlns="" val="49096620"/>
       </p:ext>
     </p:extLst>
   </p:cSld>
